--- a/doc/Applikation diagram.pptx
+++ b/doc/Applikation diagram.pptx
@@ -529,7 +529,7 @@
           <a:p>
             <a:fld id="{909E328E-0272-4FE9-A466-B2DA3CD35661}" type="datetimeFigureOut">
               <a:rPr lang="da-DK" smtClean="0"/>
-              <a:t>02-06-2015</a:t>
+              <a:t>23-06-2016</a:t>
             </a:fld>
             <a:endParaRPr lang="da-DK"/>
           </a:p>
@@ -741,7 +741,7 @@
           <a:p>
             <a:fld id="{909E328E-0272-4FE9-A466-B2DA3CD35661}" type="datetimeFigureOut">
               <a:rPr lang="da-DK" smtClean="0"/>
-              <a:t>02-06-2015</a:t>
+              <a:t>23-06-2016</a:t>
             </a:fld>
             <a:endParaRPr lang="da-DK"/>
           </a:p>
@@ -928,7 +928,7 @@
           <a:p>
             <a:fld id="{909E328E-0272-4FE9-A466-B2DA3CD35661}" type="datetimeFigureOut">
               <a:rPr lang="da-DK" smtClean="0"/>
-              <a:t>02-06-2015</a:t>
+              <a:t>23-06-2016</a:t>
             </a:fld>
             <a:endParaRPr lang="da-DK"/>
           </a:p>
@@ -1025,7 +1025,7 @@
           <a:p>
             <a:fld id="{909E328E-0272-4FE9-A466-B2DA3CD35661}" type="datetimeFigureOut">
               <a:rPr lang="da-DK" smtClean="0"/>
-              <a:t>02-06-2015</a:t>
+              <a:t>23-06-2016</a:t>
             </a:fld>
             <a:endParaRPr lang="da-DK"/>
           </a:p>
@@ -1621,7 +1621,7 @@
           <a:p>
             <a:fld id="{909E328E-0272-4FE9-A466-B2DA3CD35661}" type="datetimeFigureOut">
               <a:rPr lang="da-DK" smtClean="0"/>
-              <a:t>02-06-2015</a:t>
+              <a:t>23-06-2016</a:t>
             </a:fld>
             <a:endParaRPr lang="da-DK"/>
           </a:p>
@@ -1718,7 +1718,7 @@
           <a:p>
             <a:fld id="{909E328E-0272-4FE9-A466-B2DA3CD35661}" type="datetimeFigureOut">
               <a:rPr lang="da-DK" smtClean="0"/>
-              <a:t>02-06-2015</a:t>
+              <a:t>23-06-2016</a:t>
             </a:fld>
             <a:endParaRPr lang="da-DK"/>
           </a:p>
@@ -2323,7 +2323,7 @@
           <a:p>
             <a:fld id="{909E328E-0272-4FE9-A466-B2DA3CD35661}" type="datetimeFigureOut">
               <a:rPr lang="da-DK" smtClean="0"/>
-              <a:t>02-06-2015</a:t>
+              <a:t>23-06-2016</a:t>
             </a:fld>
             <a:endParaRPr lang="da-DK"/>
           </a:p>
@@ -2466,7 +2466,7 @@
           <a:p>
             <a:fld id="{909E328E-0272-4FE9-A466-B2DA3CD35661}" type="datetimeFigureOut">
               <a:rPr lang="da-DK" smtClean="0"/>
-              <a:t>02-06-2015</a:t>
+              <a:t>23-06-2016</a:t>
             </a:fld>
             <a:endParaRPr lang="da-DK"/>
           </a:p>
@@ -2563,7 +2563,7 @@
           <a:p>
             <a:fld id="{909E328E-0272-4FE9-A466-B2DA3CD35661}" type="datetimeFigureOut">
               <a:rPr lang="da-DK" smtClean="0"/>
-              <a:t>02-06-2015</a:t>
+              <a:t>23-06-2016</a:t>
             </a:fld>
             <a:endParaRPr lang="da-DK"/>
           </a:p>
@@ -2847,7 +2847,7 @@
           <a:p>
             <a:fld id="{909E328E-0272-4FE9-A466-B2DA3CD35661}" type="datetimeFigureOut">
               <a:rPr lang="da-DK" smtClean="0"/>
-              <a:t>02-06-2015</a:t>
+              <a:t>23-06-2016</a:t>
             </a:fld>
             <a:endParaRPr lang="da-DK"/>
           </a:p>
@@ -3369,7 +3369,7 @@
           <a:p>
             <a:fld id="{909E328E-0272-4FE9-A466-B2DA3CD35661}" type="datetimeFigureOut">
               <a:rPr lang="da-DK" smtClean="0"/>
-              <a:t>02-06-2015</a:t>
+              <a:t>23-06-2016</a:t>
             </a:fld>
             <a:endParaRPr lang="da-DK"/>
           </a:p>
@@ -3889,7 +3889,7 @@
           <a:p>
             <a:fld id="{909E328E-0272-4FE9-A466-B2DA3CD35661}" type="datetimeFigureOut">
               <a:rPr lang="da-DK" smtClean="0"/>
-              <a:t>02-06-2015</a:t>
+              <a:t>23-06-2016</a:t>
             </a:fld>
             <a:endParaRPr lang="da-DK"/>
           </a:p>
@@ -4460,23 +4460,18 @@
       </p:grpSpPr>
       <p:sp>
         <p:nvSpPr>
-          <p:cNvPr id="4" name="Rectangle 3"/>
+          <p:cNvPr id="25" name="Rectangle 24"/>
           <p:cNvSpPr/>
           <p:nvPr/>
         </p:nvSpPr>
         <p:spPr>
           <a:xfrm>
-            <a:off x="4344407" y="1413461"/>
-            <a:ext cx="2232248" cy="3238582"/>
+            <a:off x="467544" y="764704"/>
+            <a:ext cx="2799619" cy="3959749"/>
           </a:xfrm>
           <a:prstGeom prst="rect">
             <a:avLst/>
           </a:prstGeom>
-          <a:ln w="38100">
-            <a:solidFill>
-              <a:schemeClr val="tx1"/>
-            </a:solidFill>
-          </a:ln>
         </p:spPr>
         <p:style>
           <a:lnRef idx="0">
@@ -4497,198 +4492,40 @@
           <a:lstStyle/>
           <a:p>
             <a:pPr algn="ctr"/>
-            <a:r>
-              <a:rPr lang="da-DK" sz="2400" dirty="0" smtClean="0">
+            <a:endParaRPr lang="da-DK" sz="2400" dirty="0" smtClean="0">
+              <a:solidFill>
+                <a:schemeClr val="bg1"/>
+              </a:solidFill>
+            </a:endParaRPr>
+          </a:p>
+          <a:p>
+            <a:pPr algn="ctr"/>
+            <a:r>
+              <a:rPr lang="da-DK" dirty="0" smtClean="0">
                 <a:solidFill>
-                  <a:schemeClr val="bg1">
-                    <a:lumMod val="85000"/>
-                  </a:schemeClr>
+                  <a:schemeClr val="bg1"/>
                 </a:solidFill>
               </a:rPr>
-              <a:t>Tomcat 8</a:t>
-            </a:r>
-          </a:p>
-          <a:p>
-            <a:pPr algn="ctr"/>
-            <a:r>
-              <a:rPr lang="da-DK" dirty="0" smtClean="0">
-                <a:solidFill>
-                  <a:schemeClr val="bg1">
-                    <a:lumMod val="85000"/>
-                  </a:schemeClr>
-                </a:solidFill>
-              </a:rPr>
-              <a:t>(Glassfish 4)</a:t>
-            </a:r>
-          </a:p>
-          <a:p>
-            <a:pPr algn="ctr"/>
-            <a:r>
-              <a:rPr lang="da-DK" dirty="0" smtClean="0">
-                <a:solidFill>
-                  <a:schemeClr val="bg1">
-                    <a:lumMod val="85000"/>
-                  </a:schemeClr>
-                </a:solidFill>
-              </a:rPr>
-              <a:t>JEE7</a:t>
-            </a:r>
-          </a:p>
-          <a:p>
-            <a:pPr algn="ctr"/>
-            <a:r>
-              <a:rPr lang="da-DK" dirty="0" smtClean="0">
-                <a:solidFill>
-                  <a:schemeClr val="bg1">
-                    <a:lumMod val="85000"/>
-                  </a:schemeClr>
-                </a:solidFill>
-              </a:rPr>
-              <a:t>Java 8</a:t>
-            </a:r>
-          </a:p>
-          <a:p>
-            <a:pPr algn="ctr"/>
+              <a:t>Cassandra</a:t>
+            </a:r>
             <a:endParaRPr lang="da-DK" dirty="0">
               <a:solidFill>
                 <a:schemeClr val="bg1"/>
               </a:solidFill>
             </a:endParaRPr>
           </a:p>
-          <a:p>
-            <a:pPr algn="ctr"/>
-            <a:endParaRPr lang="da-DK" dirty="0" smtClean="0">
-              <a:solidFill>
-                <a:schemeClr val="bg1"/>
-              </a:solidFill>
-            </a:endParaRPr>
-          </a:p>
-          <a:p>
-            <a:pPr algn="ctr"/>
-            <a:r>
-              <a:rPr lang="en-US" sz="2000" dirty="0" smtClean="0">
-                <a:ln w="18415" cmpd="sng">
-                  <a:solidFill>
-                    <a:srgbClr val="FFFFFF"/>
-                  </a:solidFill>
-                  <a:prstDash val="solid"/>
-                </a:ln>
-                <a:solidFill>
-                  <a:srgbClr val="FFFFFF"/>
-                </a:solidFill>
-                <a:effectLst>
-                  <a:outerShdw blurRad="63500" dir="3600000" algn="tl" rotWithShape="0">
-                    <a:srgbClr val="000000">
-                      <a:alpha val="70000"/>
-                    </a:srgbClr>
-                  </a:outerShdw>
-                </a:effectLst>
-              </a:rPr>
-              <a:t>JAX-RS 2.0 </a:t>
-            </a:r>
-          </a:p>
-          <a:p>
-            <a:pPr algn="ctr"/>
-            <a:r>
-              <a:rPr lang="en-US" sz="2000" dirty="0" smtClean="0">
-                <a:ln w="18415" cmpd="sng">
-                  <a:solidFill>
-                    <a:srgbClr val="FFFFFF"/>
-                  </a:solidFill>
-                  <a:prstDash val="solid"/>
-                </a:ln>
-                <a:solidFill>
-                  <a:srgbClr val="FFFFFF"/>
-                </a:solidFill>
-                <a:effectLst>
-                  <a:outerShdw blurRad="63500" dir="3600000" algn="tl" rotWithShape="0">
-                    <a:srgbClr val="000000">
-                      <a:alpha val="70000"/>
-                    </a:srgbClr>
-                  </a:outerShdw>
-                </a:effectLst>
-              </a:rPr>
-              <a:t>Sync. end-point</a:t>
-            </a:r>
-          </a:p>
-          <a:p>
-            <a:pPr algn="ctr"/>
-            <a:r>
-              <a:rPr lang="en-US" sz="2000" dirty="0" smtClean="0">
-                <a:ln w="18415" cmpd="sng">
-                  <a:solidFill>
-                    <a:srgbClr val="FFFFFF"/>
-                  </a:solidFill>
-                  <a:prstDash val="solid"/>
-                </a:ln>
-                <a:solidFill>
-                  <a:srgbClr val="FFFFFF"/>
-                </a:solidFill>
-                <a:effectLst>
-                  <a:outerShdw blurRad="63500" dir="3600000" algn="tl" rotWithShape="0">
-                    <a:srgbClr val="000000">
-                      <a:alpha val="70000"/>
-                    </a:srgbClr>
-                  </a:outerShdw>
-                </a:effectLst>
-              </a:rPr>
-              <a:t>Async</a:t>
-            </a:r>
-            <a:r>
-              <a:rPr lang="en-US" sz="2000" dirty="0">
-                <a:ln w="18415" cmpd="sng">
-                  <a:solidFill>
-                    <a:srgbClr val="FFFFFF"/>
-                  </a:solidFill>
-                  <a:prstDash val="solid"/>
-                </a:ln>
-                <a:solidFill>
-                  <a:srgbClr val="FFFFFF"/>
-                </a:solidFill>
-                <a:effectLst>
-                  <a:outerShdw blurRad="63500" dir="3600000" algn="tl" rotWithShape="0">
-                    <a:srgbClr val="000000">
-                      <a:alpha val="70000"/>
-                    </a:srgbClr>
-                  </a:outerShdw>
-                </a:effectLst>
-              </a:rPr>
-              <a:t>. e</a:t>
-            </a:r>
-            <a:r>
-              <a:rPr lang="en-US" sz="2000" dirty="0" smtClean="0">
-                <a:ln w="18415" cmpd="sng">
-                  <a:solidFill>
-                    <a:srgbClr val="FFFFFF"/>
-                  </a:solidFill>
-                  <a:prstDash val="solid"/>
-                </a:ln>
-                <a:solidFill>
-                  <a:srgbClr val="FFFFFF"/>
-                </a:solidFill>
-                <a:effectLst>
-                  <a:outerShdw blurRad="63500" dir="3600000" algn="tl" rotWithShape="0">
-                    <a:srgbClr val="000000">
-                      <a:alpha val="70000"/>
-                    </a:srgbClr>
-                  </a:outerShdw>
-                </a:effectLst>
-              </a:rPr>
-              <a:t>nd-point</a:t>
-            </a:r>
-          </a:p>
-        </p:txBody>
-      </p:sp>
-      <p:sp>
-        <p:nvSpPr>
-          <p:cNvPr id="5" name="Rectangle 4"/>
+        </p:txBody>
+      </p:sp>
+      <p:sp>
+        <p:nvSpPr>
+          <p:cNvPr id="4" name="Rectangle 3"/>
           <p:cNvSpPr/>
           <p:nvPr/>
         </p:nvSpPr>
         <p:spPr>
           <a:xfrm>
-            <a:off x="644071" y="4193527"/>
-            <a:ext cx="2472072" cy="1295808"/>
+            <a:off x="4327332" y="2025733"/>
+            <a:ext cx="2232248" cy="3238582"/>
           </a:xfrm>
           <a:prstGeom prst="rect">
             <a:avLst/>
@@ -4719,24 +4556,124 @@
           <a:p>
             <a:pPr algn="ctr"/>
             <a:r>
+              <a:rPr lang="da-DK" sz="2400" dirty="0" smtClean="0">
+                <a:solidFill>
+                  <a:schemeClr val="bg1"/>
+                </a:solidFill>
+              </a:rPr>
+              <a:t>Tomcat 8</a:t>
+            </a:r>
+          </a:p>
+          <a:p>
+            <a:pPr algn="ctr"/>
+            <a:r>
+              <a:rPr lang="da-DK" dirty="0" smtClean="0">
+                <a:solidFill>
+                  <a:schemeClr val="bg1"/>
+                </a:solidFill>
+              </a:rPr>
+              <a:t>(Glassfish 4)</a:t>
+            </a:r>
+          </a:p>
+          <a:p>
+            <a:pPr algn="ctr"/>
+            <a:r>
+              <a:rPr lang="da-DK" dirty="0" smtClean="0">
+                <a:solidFill>
+                  <a:schemeClr val="bg1"/>
+                </a:solidFill>
+              </a:rPr>
+              <a:t>JEE7</a:t>
+            </a:r>
+          </a:p>
+          <a:p>
+            <a:pPr algn="ctr"/>
+            <a:r>
+              <a:rPr lang="da-DK" dirty="0" smtClean="0">
+                <a:solidFill>
+                  <a:schemeClr val="bg1"/>
+                </a:solidFill>
+              </a:rPr>
+              <a:t>Java 8</a:t>
+            </a:r>
+          </a:p>
+          <a:p>
+            <a:pPr algn="ctr"/>
+            <a:endParaRPr lang="da-DK" dirty="0">
+              <a:solidFill>
+                <a:schemeClr val="bg1"/>
+              </a:solidFill>
+            </a:endParaRPr>
+          </a:p>
+          <a:p>
+            <a:pPr algn="ctr"/>
+            <a:endParaRPr lang="da-DK" dirty="0" smtClean="0">
+              <a:solidFill>
+                <a:schemeClr val="bg1"/>
+              </a:solidFill>
+            </a:endParaRPr>
+          </a:p>
+        </p:txBody>
+      </p:sp>
+      <p:sp>
+        <p:nvSpPr>
+          <p:cNvPr id="5" name="Rectangle 4"/>
+          <p:cNvSpPr/>
+          <p:nvPr/>
+        </p:nvSpPr>
+        <p:spPr>
+          <a:xfrm>
+            <a:off x="467544" y="5264315"/>
+            <a:ext cx="2472072" cy="1295808"/>
+          </a:xfrm>
+          <a:prstGeom prst="rect">
+            <a:avLst/>
+          </a:prstGeom>
+          <a:ln w="38100">
+            <a:solidFill>
+              <a:schemeClr val="tx1"/>
+            </a:solidFill>
+          </a:ln>
+        </p:spPr>
+        <p:style>
+          <a:lnRef idx="0">
+            <a:schemeClr val="accent2"/>
+          </a:lnRef>
+          <a:fillRef idx="3">
+            <a:schemeClr val="accent2"/>
+          </a:fillRef>
+          <a:effectRef idx="3">
+            <a:schemeClr val="accent2"/>
+          </a:effectRef>
+          <a:fontRef idx="minor">
+            <a:schemeClr val="lt1"/>
+          </a:fontRef>
+        </p:style>
+        <p:txBody>
+          <a:bodyPr rtlCol="0" anchor="ctr"/>
+          <a:lstStyle/>
+          <a:p>
+            <a:pPr algn="ctr"/>
+            <a:r>
               <a:rPr lang="en-US" sz="2400" dirty="0" smtClean="0">
                 <a:solidFill>
-                  <a:schemeClr val="bg1">
-                    <a:lumMod val="85000"/>
-                  </a:schemeClr>
+                  <a:schemeClr val="bg1"/>
                 </a:solidFill>
               </a:rPr>
-              <a:t>Thin client</a:t>
-            </a:r>
+              <a:t>Monitor GUI</a:t>
+            </a:r>
+            <a:endParaRPr lang="en-US" sz="2400" dirty="0" smtClean="0">
+              <a:solidFill>
+                <a:schemeClr val="bg1"/>
+              </a:solidFill>
+            </a:endParaRPr>
           </a:p>
           <a:p>
             <a:pPr algn="ctr"/>
             <a:r>
               <a:rPr lang="en-US" dirty="0" smtClean="0">
                 <a:solidFill>
-                  <a:schemeClr val="bg1">
-                    <a:lumMod val="85000"/>
-                  </a:schemeClr>
+                  <a:schemeClr val="bg1"/>
                 </a:solidFill>
               </a:rPr>
               <a:t>AngularJS</a:t>
@@ -4747,9 +4684,7 @@
             <a:r>
               <a:rPr lang="en-US" dirty="0" smtClean="0">
                 <a:solidFill>
-                  <a:schemeClr val="bg1">
-                    <a:lumMod val="85000"/>
-                  </a:schemeClr>
+                  <a:schemeClr val="bg1"/>
                 </a:solidFill>
               </a:rPr>
               <a:t>WebSocket</a:t>
@@ -4757,27 +4692,6 @@
           </a:p>
           <a:p>
             <a:pPr algn="ctr"/>
-            <a:r>
-              <a:rPr lang="en-US" sz="2000" dirty="0" smtClean="0">
-                <a:ln w="18415" cmpd="sng">
-                  <a:solidFill>
-                    <a:srgbClr val="FFFFFF"/>
-                  </a:solidFill>
-                  <a:prstDash val="solid"/>
-                </a:ln>
-                <a:solidFill>
-                  <a:srgbClr val="FFFFFF"/>
-                </a:solidFill>
-                <a:effectLst>
-                  <a:outerShdw blurRad="63500" dir="3600000" algn="tl" rotWithShape="0">
-                    <a:srgbClr val="000000">
-                      <a:alpha val="70000"/>
-                    </a:srgbClr>
-                  </a:outerShdw>
-                </a:effectLst>
-              </a:rPr>
-              <a:t>Action with REST</a:t>
-            </a:r>
             <a:endParaRPr lang="en-US" sz="2000" dirty="0">
               <a:ln w="18415" cmpd="sng">
                 <a:solidFill>
@@ -4807,7 +4721,7 @@
         </p:nvSpPr>
         <p:spPr>
           <a:xfrm>
-            <a:off x="665438" y="1918610"/>
+            <a:off x="648363" y="2530882"/>
             <a:ext cx="2465501" cy="1008112"/>
           </a:xfrm>
           <a:prstGeom prst="rect">
@@ -4836,9 +4750,7 @@
             <a:r>
               <a:rPr lang="da-DK" sz="2400" dirty="0" smtClean="0">
                 <a:solidFill>
-                  <a:schemeClr val="bg1">
-                    <a:lumMod val="85000"/>
-                  </a:schemeClr>
+                  <a:schemeClr val="bg1"/>
                 </a:solidFill>
               </a:rPr>
               <a:t>Java Client</a:t>
@@ -4849,18 +4761,14 @@
             <a:r>
               <a:rPr lang="da-DK" dirty="0" smtClean="0">
                 <a:solidFill>
-                  <a:schemeClr val="bg1">
-                    <a:lumMod val="85000"/>
-                  </a:schemeClr>
+                  <a:schemeClr val="bg1"/>
                 </a:solidFill>
               </a:rPr>
               <a:t>WebSocket</a:t>
             </a:r>
             <a:endParaRPr lang="da-DK" dirty="0">
               <a:solidFill>
-                <a:schemeClr val="bg1">
-                  <a:lumMod val="85000"/>
-                </a:schemeClr>
+                <a:schemeClr val="bg1"/>
               </a:solidFill>
             </a:endParaRPr>
           </a:p>
@@ -4874,7 +4782,7 @@
         </p:nvSpPr>
         <p:spPr>
           <a:xfrm>
-            <a:off x="644070" y="3033868"/>
+            <a:off x="626995" y="3646140"/>
             <a:ext cx="2472071" cy="1008112"/>
           </a:xfrm>
           <a:prstGeom prst="rect">
@@ -4903,9 +4811,7 @@
             <a:r>
               <a:rPr lang="da-DK" sz="2400" dirty="0" smtClean="0">
                 <a:solidFill>
-                  <a:schemeClr val="bg1">
-                    <a:lumMod val="85000"/>
-                  </a:schemeClr>
+                  <a:schemeClr val="bg1"/>
                 </a:solidFill>
               </a:rPr>
               <a:t>Java Client</a:t>
@@ -4916,18 +4822,14 @@
             <a:r>
               <a:rPr lang="da-DK" dirty="0" smtClean="0">
                 <a:solidFill>
-                  <a:schemeClr val="bg1">
-                    <a:lumMod val="85000"/>
-                  </a:schemeClr>
+                  <a:schemeClr val="bg1"/>
                 </a:solidFill>
               </a:rPr>
               <a:t>CXF Web-Service</a:t>
             </a:r>
             <a:endParaRPr lang="da-DK" dirty="0">
               <a:solidFill>
-                <a:schemeClr val="bg1">
-                  <a:lumMod val="85000"/>
-                </a:schemeClr>
+                <a:schemeClr val="bg1"/>
               </a:solidFill>
             </a:endParaRPr>
           </a:p>
@@ -4935,23 +4837,71 @@
       </p:sp>
       <p:sp>
         <p:nvSpPr>
-          <p:cNvPr id="8" name="Rectangle 7"/>
-          <p:cNvSpPr/>
+          <p:cNvPr id="42" name="TextBox 41"/>
+          <p:cNvSpPr txBox="1"/>
           <p:nvPr/>
         </p:nvSpPr>
         <p:spPr>
           <a:xfrm>
-            <a:off x="650639" y="5633351"/>
-            <a:ext cx="2465503" cy="1008112"/>
+            <a:off x="1226024" y="116630"/>
+            <a:ext cx="3980962" cy="584775"/>
           </a:xfrm>
           <a:prstGeom prst="rect">
             <a:avLst/>
           </a:prstGeom>
-          <a:ln w="38100">
-            <a:solidFill>
-              <a:schemeClr val="tx1"/>
-            </a:solidFill>
-          </a:ln>
+          <a:noFill/>
+          <a:effectLst>
+            <a:outerShdw blurRad="50800" dist="38100" dir="2700000" algn="tl" rotWithShape="0">
+              <a:prstClr val="black">
+                <a:alpha val="40000"/>
+              </a:prstClr>
+            </a:outerShdw>
+          </a:effectLst>
+        </p:spPr>
+        <p:txBody>
+          <a:bodyPr wrap="none" rtlCol="0">
+            <a:spAutoFit/>
+          </a:bodyPr>
+          <a:lstStyle/>
+          <a:p>
+            <a:r>
+              <a:rPr lang="en-US" sz="3200" dirty="0" smtClean="0">
+                <a:solidFill>
+                  <a:schemeClr val="bg1"/>
+                </a:solidFill>
+              </a:rPr>
+              <a:t>HTTP Access </a:t>
+            </a:r>
+            <a:r>
+              <a:rPr lang="en-US" sz="3200" dirty="0" smtClean="0">
+                <a:solidFill>
+                  <a:schemeClr val="bg1"/>
+                </a:solidFill>
+              </a:rPr>
+              <a:t>Monitor</a:t>
+            </a:r>
+            <a:endParaRPr lang="en-US" sz="3200" dirty="0">
+              <a:solidFill>
+                <a:schemeClr val="bg1"/>
+              </a:solidFill>
+            </a:endParaRPr>
+          </a:p>
+        </p:txBody>
+      </p:sp>
+      <p:sp>
+        <p:nvSpPr>
+          <p:cNvPr id="102" name="Rectangle 101"/>
+          <p:cNvSpPr/>
+          <p:nvPr/>
+        </p:nvSpPr>
+        <p:spPr>
+          <a:xfrm>
+            <a:off x="649262" y="1413665"/>
+            <a:ext cx="2465501" cy="1008112"/>
+          </a:xfrm>
+          <a:prstGeom prst="rect">
+            <a:avLst/>
+          </a:prstGeom>
         </p:spPr>
         <p:style>
           <a:lnRef idx="0">
@@ -4973,23 +4923,10 @@
           <a:p>
             <a:pPr algn="ctr"/>
             <a:r>
-              <a:rPr lang="da-DK" sz="2000" dirty="0" smtClean="0">
-                <a:ln w="18415" cmpd="sng">
-                  <a:solidFill>
-                    <a:srgbClr val="FFFFFF"/>
-                  </a:solidFill>
-                  <a:prstDash val="solid"/>
-                </a:ln>
+              <a:rPr lang="da-DK" sz="2400" dirty="0" smtClean="0">
                 <a:solidFill>
-                  <a:srgbClr val="FFFFFF"/>
+                  <a:schemeClr val="bg1"/>
                 </a:solidFill>
-                <a:effectLst>
-                  <a:outerShdw blurRad="63500" dir="3600000" algn="tl" rotWithShape="0">
-                    <a:srgbClr val="000000">
-                      <a:alpha val="70000"/>
-                    </a:srgbClr>
-                  </a:outerShdw>
-                </a:effectLst>
               </a:rPr>
               <a:t>Java Client</a:t>
             </a:r>
@@ -4997,57 +4934,126 @@
           <a:p>
             <a:pPr algn="ctr"/>
             <a:r>
-              <a:rPr lang="da-DK" sz="2000" dirty="0" smtClean="0">
-                <a:ln w="18415" cmpd="sng">
-                  <a:solidFill>
-                    <a:srgbClr val="FFFFFF"/>
-                  </a:solidFill>
-                  <a:prstDash val="solid"/>
-                </a:ln>
+              <a:rPr lang="da-DK" dirty="0" smtClean="0">
                 <a:solidFill>
-                  <a:srgbClr val="FFFFFF"/>
+                  <a:schemeClr val="bg1"/>
                 </a:solidFill>
-                <a:effectLst>
-                  <a:outerShdw blurRad="63500" dir="3600000" algn="tl" rotWithShape="0">
-                    <a:srgbClr val="000000">
-                      <a:alpha val="70000"/>
-                    </a:srgbClr>
-                  </a:outerShdw>
-                </a:effectLst>
               </a:rPr>
-              <a:t>JAX-RS 2.0 Async.</a:t>
-            </a:r>
-            <a:endParaRPr lang="da-DK" sz="2000" dirty="0">
-              <a:ln w="18415" cmpd="sng">
-                <a:solidFill>
-                  <a:srgbClr val="FFFFFF"/>
-                </a:solidFill>
-                <a:prstDash val="solid"/>
-              </a:ln>
+              <a:t>Cassandra</a:t>
+            </a:r>
+            <a:endParaRPr lang="da-DK" dirty="0">
               <a:solidFill>
-                <a:srgbClr val="FFFFFF"/>
+                <a:schemeClr val="bg1"/>
               </a:solidFill>
-              <a:effectLst>
-                <a:outerShdw blurRad="63500" dir="3600000" algn="tl" rotWithShape="0">
-                  <a:srgbClr val="000000">
-                    <a:alpha val="70000"/>
-                  </a:srgbClr>
-                </a:outerShdw>
-              </a:effectLst>
             </a:endParaRPr>
+          </a:p>
+        </p:txBody>
+      </p:sp>
+      <p:sp>
+        <p:nvSpPr>
+          <p:cNvPr id="113" name="Flowchart: Magnetic Disk 112"/>
+          <p:cNvSpPr/>
+          <p:nvPr/>
+        </p:nvSpPr>
+        <p:spPr>
+          <a:xfrm>
+            <a:off x="7268173" y="1413665"/>
+            <a:ext cx="1274440" cy="1224136"/>
+          </a:xfrm>
+          <a:prstGeom prst="flowChartMagneticDisk">
+            <a:avLst/>
+          </a:prstGeom>
+        </p:spPr>
+        <p:style>
+          <a:lnRef idx="2">
+            <a:schemeClr val="accent1">
+              <a:shade val="50000"/>
+            </a:schemeClr>
+          </a:lnRef>
+          <a:fillRef idx="1">
+            <a:schemeClr val="accent1"/>
+          </a:fillRef>
+          <a:effectRef idx="0">
+            <a:schemeClr val="accent1"/>
+          </a:effectRef>
+          <a:fontRef idx="minor">
+            <a:schemeClr val="lt1"/>
+          </a:fontRef>
+        </p:style>
+        <p:txBody>
+          <a:bodyPr rtlCol="0" anchor="ctr"/>
+          <a:lstStyle/>
+          <a:p>
+            <a:pPr algn="ctr"/>
+            <a:r>
+              <a:rPr lang="da-DK" dirty="0" smtClean="0"/>
+              <a:t>Cassandra</a:t>
+            </a:r>
+          </a:p>
+          <a:p>
+            <a:pPr algn="ctr"/>
+            <a:r>
+              <a:rPr lang="da-DK" dirty="0" smtClean="0"/>
+              <a:t>NoSQL</a:t>
+            </a:r>
+            <a:endParaRPr lang="da-DK" dirty="0"/>
+          </a:p>
+        </p:txBody>
+      </p:sp>
+      <p:sp>
+        <p:nvSpPr>
+          <p:cNvPr id="114" name="Flowchart: Magnetic Disk 113"/>
+          <p:cNvSpPr/>
+          <p:nvPr/>
+        </p:nvSpPr>
+        <p:spPr>
+          <a:xfrm>
+            <a:off x="7250189" y="2745128"/>
+            <a:ext cx="1274440" cy="1224136"/>
+          </a:xfrm>
+          <a:prstGeom prst="flowChartMagneticDisk">
+            <a:avLst/>
+          </a:prstGeom>
+        </p:spPr>
+        <p:style>
+          <a:lnRef idx="2">
+            <a:schemeClr val="accent1">
+              <a:shade val="50000"/>
+            </a:schemeClr>
+          </a:lnRef>
+          <a:fillRef idx="1">
+            <a:schemeClr val="accent1"/>
+          </a:fillRef>
+          <a:effectRef idx="0">
+            <a:schemeClr val="accent1"/>
+          </a:effectRef>
+          <a:fontRef idx="minor">
+            <a:schemeClr val="lt1"/>
+          </a:fontRef>
+        </p:style>
+        <p:txBody>
+          <a:bodyPr rtlCol="0" anchor="ctr"/>
+          <a:lstStyle/>
+          <a:p>
+            <a:pPr algn="ctr"/>
+            <a:r>
+              <a:rPr lang="da-DK" dirty="0" smtClean="0"/>
+              <a:t>In-Memory</a:t>
+            </a:r>
+            <a:endParaRPr lang="da-DK" dirty="0"/>
           </a:p>
         </p:txBody>
       </p:sp>
       <p:cxnSp>
         <p:nvCxnSpPr>
-          <p:cNvPr id="21" name="Straight Arrow Connector 20"/>
+          <p:cNvPr id="118" name="Straight Arrow Connector 117"/>
           <p:cNvCxnSpPr/>
           <p:nvPr/>
         </p:nvCxnSpPr>
         <p:spPr>
-          <a:xfrm flipV="1">
-            <a:off x="3131838" y="3933056"/>
-            <a:ext cx="1239835" cy="504056"/>
+          <a:xfrm>
+            <a:off x="6580141" y="2313080"/>
+            <a:ext cx="688032" cy="0"/>
           </a:xfrm>
           <a:prstGeom prst="straightConnector1">
             <a:avLst/>
@@ -5058,143 +5064,186 @@
           </a:ln>
         </p:spPr>
         <p:style>
-          <a:lnRef idx="3">
-            <a:schemeClr val="accent2"/>
+          <a:lnRef idx="2">
+            <a:schemeClr val="dk1"/>
           </a:lnRef>
           <a:fillRef idx="0">
-            <a:schemeClr val="accent2"/>
+            <a:schemeClr val="dk1"/>
           </a:fillRef>
-          <a:effectRef idx="2">
-            <a:schemeClr val="accent2"/>
+          <a:effectRef idx="1">
+            <a:schemeClr val="dk1"/>
           </a:effectRef>
           <a:fontRef idx="minor">
             <a:schemeClr val="tx1"/>
           </a:fontRef>
         </p:style>
       </p:cxnSp>
-      <p:sp>
-        <p:nvSpPr>
-          <p:cNvPr id="41" name="TextBox 40"/>
-          <p:cNvSpPr txBox="1"/>
+      <p:cxnSp>
+        <p:nvCxnSpPr>
+          <p:cNvPr id="121" name="Straight Arrow Connector 120"/>
+          <p:cNvCxnSpPr/>
           <p:nvPr/>
-        </p:nvSpPr>
+        </p:nvCxnSpPr>
         <p:spPr>
           <a:xfrm>
-            <a:off x="3479640" y="5441132"/>
-            <a:ext cx="5544616" cy="1200329"/>
+            <a:off x="6559580" y="3357196"/>
+            <a:ext cx="688032" cy="0"/>
+          </a:xfrm>
+          <a:prstGeom prst="straightConnector1">
+            <a:avLst/>
+          </a:prstGeom>
+          <a:ln>
+            <a:headEnd type="arrow"/>
+            <a:tailEnd type="arrow"/>
+          </a:ln>
+        </p:spPr>
+        <p:style>
+          <a:lnRef idx="2">
+            <a:schemeClr val="dk1"/>
+          </a:lnRef>
+          <a:fillRef idx="0">
+            <a:schemeClr val="dk1"/>
+          </a:fillRef>
+          <a:effectRef idx="1">
+            <a:schemeClr val="dk1"/>
+          </a:effectRef>
+          <a:fontRef idx="minor">
+            <a:schemeClr val="tx1"/>
+          </a:fontRef>
+        </p:style>
+      </p:cxnSp>
+      <p:sp>
+        <p:nvSpPr>
+          <p:cNvPr id="124" name="Rectangle 123"/>
+          <p:cNvSpPr/>
+          <p:nvPr/>
+        </p:nvSpPr>
+        <p:spPr>
+          <a:xfrm rot="5400000">
+            <a:off x="1626360" y="3501214"/>
+            <a:ext cx="4104456" cy="432047"/>
           </a:xfrm>
           <a:prstGeom prst="rect">
             <a:avLst/>
           </a:prstGeom>
-          <a:solidFill>
-            <a:schemeClr val="accent2"/>
-          </a:solidFill>
-          <a:ln w="38100">
-            <a:solidFill>
-              <a:schemeClr val="tx1"/>
-            </a:solidFill>
-          </a:ln>
-          <a:effectLst>
-            <a:outerShdw blurRad="76200" dist="12700" dir="2700000" sy="-23000" kx="-800400" algn="bl" rotWithShape="0">
-              <a:prstClr val="black">
-                <a:alpha val="20000"/>
-              </a:prstClr>
-            </a:outerShdw>
-          </a:effectLst>
-        </p:spPr>
-        <p:txBody>
-          <a:bodyPr wrap="square" rtlCol="0">
-            <a:spAutoFit/>
-          </a:bodyPr>
-          <a:lstStyle/>
-          <a:p>
-            <a:pPr marL="342900" indent="-342900">
-              <a:buAutoNum type="arabicPeriod"/>
-            </a:pPr>
-            <a:r>
-              <a:rPr lang="en-US" dirty="0" smtClean="0">
-                <a:solidFill>
-                  <a:schemeClr val="bg1"/>
-                </a:solidFill>
-              </a:rPr>
-              <a:t>Implement client/server with asynchronous REST (send HTTP access data)</a:t>
-            </a:r>
-          </a:p>
-          <a:p>
-            <a:pPr marL="342900" indent="-342900">
-              <a:buAutoNum type="arabicPeriod"/>
-            </a:pPr>
-            <a:r>
-              <a:rPr lang="en-US" dirty="0" smtClean="0">
-                <a:solidFill>
-                  <a:schemeClr val="bg1"/>
-                </a:solidFill>
-              </a:rPr>
-              <a:t>Add “some action” to the thin client and server, using synchronous REST and AngularJS</a:t>
-            </a:r>
-            <a:endParaRPr lang="en-US" dirty="0">
-              <a:solidFill>
-                <a:schemeClr val="bg1"/>
-              </a:solidFill>
-            </a:endParaRPr>
-          </a:p>
-        </p:txBody>
-      </p:sp>
-      <p:sp>
-        <p:nvSpPr>
-          <p:cNvPr id="42" name="TextBox 41"/>
-          <p:cNvSpPr txBox="1"/>
+        </p:spPr>
+        <p:style>
+          <a:lnRef idx="2">
+            <a:schemeClr val="accent1">
+              <a:shade val="50000"/>
+            </a:schemeClr>
+          </a:lnRef>
+          <a:fillRef idx="1">
+            <a:schemeClr val="accent1"/>
+          </a:fillRef>
+          <a:effectRef idx="0">
+            <a:schemeClr val="accent1"/>
+          </a:effectRef>
+          <a:fontRef idx="minor">
+            <a:schemeClr val="lt1"/>
+          </a:fontRef>
+        </p:style>
+        <p:txBody>
+          <a:bodyPr rtlCol="0" anchor="ctr"/>
+          <a:lstStyle/>
+          <a:p>
+            <a:pPr algn="ctr"/>
+            <a:r>
+              <a:rPr lang="da-DK" dirty="0" smtClean="0"/>
+              <a:t>HTTP Access data</a:t>
+            </a:r>
+            <a:endParaRPr lang="da-DK" dirty="0"/>
+          </a:p>
+        </p:txBody>
+      </p:sp>
+      <p:sp>
+        <p:nvSpPr>
+          <p:cNvPr id="20" name="Flowchart: Magnetic Disk 19"/>
+          <p:cNvSpPr/>
           <p:nvPr/>
         </p:nvSpPr>
         <p:spPr>
           <a:xfrm>
-            <a:off x="676680" y="116632"/>
-            <a:ext cx="7844199" cy="584775"/>
-          </a:xfrm>
-          <a:prstGeom prst="rect">
+            <a:off x="7268173" y="4112385"/>
+            <a:ext cx="1274440" cy="1224136"/>
+          </a:xfrm>
+          <a:prstGeom prst="flowChartMagneticDisk">
             <a:avLst/>
           </a:prstGeom>
-          <a:noFill/>
-          <a:effectLst>
-            <a:outerShdw blurRad="50800" dist="38100" dir="2700000" algn="tl" rotWithShape="0">
-              <a:prstClr val="black">
-                <a:alpha val="40000"/>
-              </a:prstClr>
-            </a:outerShdw>
-          </a:effectLst>
-        </p:spPr>
-        <p:txBody>
-          <a:bodyPr wrap="none" rtlCol="0">
-            <a:spAutoFit/>
-          </a:bodyPr>
-          <a:lstStyle/>
-          <a:p>
-            <a:r>
-              <a:rPr lang="en-US" sz="3200" dirty="0" smtClean="0">
-                <a:solidFill>
-                  <a:schemeClr val="bg1"/>
-                </a:solidFill>
-              </a:rPr>
-              <a:t>HTTP Access Monitor - explore JAX-RS 2.0</a:t>
-            </a:r>
-            <a:endParaRPr lang="en-US" sz="3200" dirty="0">
-              <a:solidFill>
-                <a:schemeClr val="bg1"/>
-              </a:solidFill>
-            </a:endParaRPr>
+        </p:spPr>
+        <p:style>
+          <a:lnRef idx="2">
+            <a:schemeClr val="accent1">
+              <a:shade val="50000"/>
+            </a:schemeClr>
+          </a:lnRef>
+          <a:fillRef idx="1">
+            <a:schemeClr val="accent1"/>
+          </a:fillRef>
+          <a:effectRef idx="0">
+            <a:schemeClr val="accent1"/>
+          </a:effectRef>
+          <a:fontRef idx="minor">
+            <a:schemeClr val="lt1"/>
+          </a:fontRef>
+        </p:style>
+        <p:txBody>
+          <a:bodyPr rtlCol="0" anchor="ctr"/>
+          <a:lstStyle/>
+          <a:p>
+            <a:pPr algn="ctr"/>
+            <a:r>
+              <a:rPr lang="da-DK" dirty="0" err="1" smtClean="0"/>
+              <a:t>MongoDB</a:t>
+            </a:r>
+            <a:endParaRPr lang="da-DK" dirty="0"/>
           </a:p>
         </p:txBody>
       </p:sp>
       <p:cxnSp>
         <p:nvCxnSpPr>
-          <p:cNvPr id="45" name="Straight Arrow Connector 44"/>
+          <p:cNvPr id="22" name="Straight Arrow Connector 21"/>
           <p:cNvCxnSpPr/>
           <p:nvPr/>
         </p:nvCxnSpPr>
         <p:spPr>
           <a:xfrm>
-            <a:off x="3131838" y="2492896"/>
-            <a:ext cx="1224138" cy="0"/>
+            <a:off x="6592012" y="4724453"/>
+            <a:ext cx="688032" cy="0"/>
+          </a:xfrm>
+          <a:prstGeom prst="straightConnector1">
+            <a:avLst/>
+          </a:prstGeom>
+          <a:ln>
+            <a:headEnd type="arrow"/>
+            <a:tailEnd type="arrow"/>
+          </a:ln>
+        </p:spPr>
+        <p:style>
+          <a:lnRef idx="2">
+            <a:schemeClr val="dk1"/>
+          </a:lnRef>
+          <a:fillRef idx="0">
+            <a:schemeClr val="dk1"/>
+          </a:fillRef>
+          <a:effectRef idx="1">
+            <a:schemeClr val="dk1"/>
+          </a:effectRef>
+          <a:fontRef idx="minor">
+            <a:schemeClr val="tx1"/>
+          </a:fontRef>
+        </p:style>
+      </p:cxnSp>
+      <p:cxnSp>
+        <p:nvCxnSpPr>
+          <p:cNvPr id="23" name="Straight Arrow Connector 22"/>
+          <p:cNvCxnSpPr/>
+          <p:nvPr/>
+        </p:nvCxnSpPr>
+        <p:spPr>
+          <a:xfrm flipH="1">
+            <a:off x="3123756" y="4724453"/>
+            <a:ext cx="1203576" cy="729250"/>
           </a:xfrm>
           <a:prstGeom prst="straightConnector1">
             <a:avLst/>
@@ -5226,7 +5275,7 @@
         </p:nvCxnSpPr>
         <p:spPr>
           <a:xfrm>
-            <a:off x="3130939" y="3645024"/>
+            <a:off x="3113864" y="4257296"/>
             <a:ext cx="1225037" cy="0"/>
           </a:xfrm>
           <a:prstGeom prst="straightConnector1">
@@ -5253,209 +5302,14 @@
       </p:cxnSp>
       <p:cxnSp>
         <p:nvCxnSpPr>
-          <p:cNvPr id="51" name="Straight Arrow Connector 50"/>
+          <p:cNvPr id="45" name="Straight Arrow Connector 44"/>
           <p:cNvCxnSpPr/>
           <p:nvPr/>
         </p:nvCxnSpPr>
         <p:spPr>
-          <a:xfrm flipV="1">
-            <a:off x="3131838" y="4293096"/>
-            <a:ext cx="1224138" cy="1340258"/>
-          </a:xfrm>
-          <a:prstGeom prst="straightConnector1">
-            <a:avLst/>
-          </a:prstGeom>
-          <a:ln>
-            <a:tailEnd type="arrow"/>
-          </a:ln>
-        </p:spPr>
-        <p:style>
-          <a:lnRef idx="3">
-            <a:schemeClr val="accent2"/>
-          </a:lnRef>
-          <a:fillRef idx="0">
-            <a:schemeClr val="accent2"/>
-          </a:fillRef>
-          <a:effectRef idx="2">
-            <a:schemeClr val="accent2"/>
-          </a:effectRef>
-          <a:fontRef idx="minor">
-            <a:schemeClr val="tx1"/>
-          </a:fontRef>
-        </p:style>
-      </p:cxnSp>
-      <p:sp>
-        <p:nvSpPr>
-          <p:cNvPr id="102" name="Rectangle 101"/>
-          <p:cNvSpPr/>
-          <p:nvPr/>
-        </p:nvSpPr>
-        <p:spPr>
           <a:xfrm>
-            <a:off x="666337" y="801393"/>
-            <a:ext cx="2465501" cy="1008112"/>
-          </a:xfrm>
-          <a:prstGeom prst="rect">
-            <a:avLst/>
-          </a:prstGeom>
-        </p:spPr>
-        <p:style>
-          <a:lnRef idx="0">
-            <a:schemeClr val="accent2"/>
-          </a:lnRef>
-          <a:fillRef idx="3">
-            <a:schemeClr val="accent2"/>
-          </a:fillRef>
-          <a:effectRef idx="3">
-            <a:schemeClr val="accent2"/>
-          </a:effectRef>
-          <a:fontRef idx="minor">
-            <a:schemeClr val="lt1"/>
-          </a:fontRef>
-        </p:style>
-        <p:txBody>
-          <a:bodyPr rtlCol="0" anchor="ctr"/>
-          <a:lstStyle/>
-          <a:p>
-            <a:pPr algn="ctr"/>
-            <a:r>
-              <a:rPr lang="da-DK" sz="2400" dirty="0" smtClean="0">
-                <a:solidFill>
-                  <a:schemeClr val="bg1">
-                    <a:lumMod val="85000"/>
-                  </a:schemeClr>
-                </a:solidFill>
-              </a:rPr>
-              <a:t>Java Client</a:t>
-            </a:r>
-          </a:p>
-          <a:p>
-            <a:pPr algn="ctr"/>
-            <a:r>
-              <a:rPr lang="da-DK" dirty="0" smtClean="0">
-                <a:solidFill>
-                  <a:schemeClr val="bg1">
-                    <a:lumMod val="85000"/>
-                  </a:schemeClr>
-                </a:solidFill>
-              </a:rPr>
-              <a:t>Cassandra</a:t>
-            </a:r>
-            <a:endParaRPr lang="da-DK" dirty="0">
-              <a:solidFill>
-                <a:schemeClr val="bg1">
-                  <a:lumMod val="85000"/>
-                </a:schemeClr>
-              </a:solidFill>
-            </a:endParaRPr>
-          </a:p>
-        </p:txBody>
-      </p:sp>
-      <p:sp>
-        <p:nvSpPr>
-          <p:cNvPr id="113" name="Flowchart: Magnetic Disk 112"/>
-          <p:cNvSpPr/>
-          <p:nvPr/>
-        </p:nvSpPr>
-        <p:spPr>
-          <a:xfrm>
-            <a:off x="7285248" y="801393"/>
-            <a:ext cx="1274440" cy="1224136"/>
-          </a:xfrm>
-          <a:prstGeom prst="flowChartMagneticDisk">
-            <a:avLst/>
-          </a:prstGeom>
-        </p:spPr>
-        <p:style>
-          <a:lnRef idx="2">
-            <a:schemeClr val="accent1">
-              <a:shade val="50000"/>
-            </a:schemeClr>
-          </a:lnRef>
-          <a:fillRef idx="1">
-            <a:schemeClr val="accent1"/>
-          </a:fillRef>
-          <a:effectRef idx="0">
-            <a:schemeClr val="accent1"/>
-          </a:effectRef>
-          <a:fontRef idx="minor">
-            <a:schemeClr val="lt1"/>
-          </a:fontRef>
-        </p:style>
-        <p:txBody>
-          <a:bodyPr rtlCol="0" anchor="ctr"/>
-          <a:lstStyle/>
-          <a:p>
-            <a:pPr algn="ctr"/>
-            <a:r>
-              <a:rPr lang="da-DK" dirty="0" smtClean="0"/>
-              <a:t>Cassandra</a:t>
-            </a:r>
-          </a:p>
-          <a:p>
-            <a:pPr algn="ctr"/>
-            <a:r>
-              <a:rPr lang="da-DK" dirty="0" smtClean="0"/>
-              <a:t>NoSQL</a:t>
-            </a:r>
-            <a:endParaRPr lang="da-DK" dirty="0"/>
-          </a:p>
-        </p:txBody>
-      </p:sp>
-      <p:sp>
-        <p:nvSpPr>
-          <p:cNvPr id="114" name="Flowchart: Magnetic Disk 113"/>
-          <p:cNvSpPr/>
-          <p:nvPr/>
-        </p:nvSpPr>
-        <p:spPr>
-          <a:xfrm>
-            <a:off x="7267264" y="2925856"/>
-            <a:ext cx="1274440" cy="1224136"/>
-          </a:xfrm>
-          <a:prstGeom prst="flowChartMagneticDisk">
-            <a:avLst/>
-          </a:prstGeom>
-        </p:spPr>
-        <p:style>
-          <a:lnRef idx="2">
-            <a:schemeClr val="accent1">
-              <a:shade val="50000"/>
-            </a:schemeClr>
-          </a:lnRef>
-          <a:fillRef idx="1">
-            <a:schemeClr val="accent1"/>
-          </a:fillRef>
-          <a:effectRef idx="0">
-            <a:schemeClr val="accent1"/>
-          </a:effectRef>
-          <a:fontRef idx="minor">
-            <a:schemeClr val="lt1"/>
-          </a:fontRef>
-        </p:style>
-        <p:txBody>
-          <a:bodyPr rtlCol="0" anchor="ctr"/>
-          <a:lstStyle/>
-          <a:p>
-            <a:pPr algn="ctr"/>
-            <a:r>
-              <a:rPr lang="da-DK" dirty="0" smtClean="0"/>
-              <a:t>In-Memory</a:t>
-            </a:r>
-            <a:endParaRPr lang="da-DK" dirty="0"/>
-          </a:p>
-        </p:txBody>
-      </p:sp>
-      <p:cxnSp>
-        <p:nvCxnSpPr>
-          <p:cNvPr id="115" name="Straight Arrow Connector 114"/>
-          <p:cNvCxnSpPr/>
-          <p:nvPr/>
-        </p:nvCxnSpPr>
-        <p:spPr>
-          <a:xfrm>
-            <a:off x="3140830" y="1196752"/>
-            <a:ext cx="4144418" cy="0"/>
+            <a:off x="3114763" y="3105168"/>
+            <a:ext cx="1224138" cy="0"/>
           </a:xfrm>
           <a:prstGeom prst="straightConnector1">
             <a:avLst/>
@@ -5481,20 +5335,19 @@
       </p:cxnSp>
       <p:cxnSp>
         <p:nvCxnSpPr>
-          <p:cNvPr id="118" name="Straight Arrow Connector 117"/>
+          <p:cNvPr id="115" name="Straight Arrow Connector 114"/>
           <p:cNvCxnSpPr/>
           <p:nvPr/>
         </p:nvCxnSpPr>
         <p:spPr>
           <a:xfrm>
-            <a:off x="6597216" y="1700808"/>
-            <a:ext cx="688032" cy="0"/>
+            <a:off x="3123755" y="1809024"/>
+            <a:ext cx="4144418" cy="0"/>
           </a:xfrm>
           <a:prstGeom prst="straightConnector1">
             <a:avLst/>
           </a:prstGeom>
           <a:ln>
-            <a:headEnd type="arrow"/>
             <a:tailEnd type="arrow"/>
           </a:ln>
         </p:spPr>
@@ -5513,66 +5366,30 @@
           </a:fontRef>
         </p:style>
       </p:cxnSp>
-      <p:cxnSp>
-        <p:nvCxnSpPr>
-          <p:cNvPr id="121" name="Straight Arrow Connector 120"/>
-          <p:cNvCxnSpPr/>
-          <p:nvPr/>
-        </p:nvCxnSpPr>
-        <p:spPr>
-          <a:xfrm>
-            <a:off x="6588224" y="3537924"/>
-            <a:ext cx="688032" cy="0"/>
-          </a:xfrm>
-          <a:prstGeom prst="straightConnector1">
-            <a:avLst/>
-          </a:prstGeom>
-          <a:ln>
-            <a:headEnd type="arrow"/>
-            <a:tailEnd type="arrow"/>
-          </a:ln>
-        </p:spPr>
-        <p:style>
-          <a:lnRef idx="2">
-            <a:schemeClr val="dk1"/>
-          </a:lnRef>
-          <a:fillRef idx="0">
-            <a:schemeClr val="dk1"/>
-          </a:fillRef>
-          <a:effectRef idx="1">
-            <a:schemeClr val="dk1"/>
-          </a:effectRef>
-          <a:fontRef idx="minor">
-            <a:schemeClr val="tx1"/>
-          </a:fontRef>
-        </p:style>
-      </p:cxnSp>
-      <p:sp>
-        <p:nvSpPr>
-          <p:cNvPr id="124" name="Rectangle 123"/>
+      <p:sp>
+        <p:nvSpPr>
+          <p:cNvPr id="27" name="Rectangle 26"/>
           <p:cNvSpPr/>
           <p:nvPr/>
         </p:nvSpPr>
         <p:spPr>
-          <a:xfrm rot="5400000">
-            <a:off x="1643435" y="2888942"/>
-            <a:ext cx="4104456" cy="432047"/>
+          <a:xfrm>
+            <a:off x="467544" y="764704"/>
+            <a:ext cx="5497922" cy="504056"/>
           </a:xfrm>
           <a:prstGeom prst="rect">
             <a:avLst/>
           </a:prstGeom>
         </p:spPr>
         <p:style>
-          <a:lnRef idx="2">
-            <a:schemeClr val="accent1">
-              <a:shade val="50000"/>
-            </a:schemeClr>
+          <a:lnRef idx="0">
+            <a:schemeClr val="accent2"/>
           </a:lnRef>
-          <a:fillRef idx="1">
-            <a:schemeClr val="accent1"/>
+          <a:fillRef idx="3">
+            <a:schemeClr val="accent2"/>
           </a:fillRef>
-          <a:effectRef idx="0">
-            <a:schemeClr val="accent1"/>
+          <a:effectRef idx="3">
+            <a:schemeClr val="accent2"/>
           </a:effectRef>
           <a:fontRef idx="minor">
             <a:schemeClr val="lt1"/>
@@ -5584,10 +5401,22 @@
           <a:p>
             <a:pPr algn="ctr"/>
             <a:r>
-              <a:rPr lang="da-DK" dirty="0" smtClean="0"/>
-              <a:t>HTTP Access data</a:t>
-            </a:r>
-            <a:endParaRPr lang="da-DK" dirty="0"/>
+              <a:rPr lang="da-DK" dirty="0"/>
+              <a:t>Clients </a:t>
+            </a:r>
+            <a:r>
+              <a:rPr lang="en-US" dirty="0"/>
+              <a:t>can</a:t>
+            </a:r>
+            <a:r>
+              <a:rPr lang="da-DK" dirty="0"/>
+              <a:t> run with Apache Storm or </a:t>
+            </a:r>
+            <a:r>
+              <a:rPr lang="en-US" dirty="0" smtClean="0"/>
+              <a:t>standalone</a:t>
+            </a:r>
+            <a:endParaRPr lang="en-US" dirty="0"/>
           </a:p>
         </p:txBody>
       </p:sp>
